--- a/onboarding_images/interventions.pptx
+++ b/onboarding_images/interventions.pptx
@@ -3172,7 +3172,7 @@
             <a:pPr algn="ctr"/>
             <a:r>
               <a:rPr kumimoji="1" lang="en-US" altLang="zh-CN" dirty="0" smtClean="0"/>
-              <a:t>Facebook Feed Removal</a:t>
+              <a:t>Facebook Feed Hider</a:t>
             </a:r>
             <a:endParaRPr kumimoji="1" lang="zh-CN" altLang="en-US" dirty="0"/>
           </a:p>
